--- a/PPTs/Lecture 8-binary search tree exercises.pptx
+++ b/PPTs/Lecture 8-binary search tree exercises.pptx
@@ -18393,52 +18393,6 @@
       </p:sp>
       <p:sp>
         <p:nvSpPr>
-          <p:cNvPr id="3" name="Content Placeholder 2">
-            <a:extLst>
-              <a:ext uri="{FF2B5EF4-FFF2-40B4-BE49-F238E27FC236}">
-                <a16:creationId xmlns:a16="http://schemas.microsoft.com/office/drawing/2014/main" id="{AD212C7D-8418-DC92-7BF7-E9D8765F103F}"/>
-              </a:ext>
-            </a:extLst>
-          </p:cNvPr>
-          <p:cNvSpPr>
-            <a:spLocks noGrp="1"/>
-          </p:cNvSpPr>
-          <p:nvPr>
-            <p:ph idx="1"/>
-          </p:nvPr>
-        </p:nvSpPr>
-        <p:spPr>
-          <a:xfrm>
-            <a:off x="4124056" y="1600201"/>
-            <a:ext cx="4562744" cy="1828800"/>
-          </a:xfrm>
-        </p:spPr>
-        <p:txBody>
-          <a:bodyPr/>
-          <a:lstStyle/>
-          <a:p>
-            <a:r>
-              <a:rPr lang="en-GB" dirty="0"/>
-              <a:t>Pre-Order: 12453</a:t>
-            </a:r>
-          </a:p>
-          <a:p>
-            <a:r>
-              <a:rPr lang="en-GB" dirty="0"/>
-              <a:t>In-Order: 42513</a:t>
-            </a:r>
-          </a:p>
-          <a:p>
-            <a:r>
-              <a:rPr lang="en-GB" dirty="0"/>
-              <a:t>Post-Order: 45231</a:t>
-            </a:r>
-            <a:endParaRPr lang="en-SE" dirty="0"/>
-          </a:p>
-        </p:txBody>
-      </p:sp>
-      <p:sp>
-        <p:nvSpPr>
           <p:cNvPr id="39" name="Google Shape;1373;p69">
             <a:extLst>
               <a:ext uri="{FF2B5EF4-FFF2-40B4-BE49-F238E27FC236}">
@@ -19109,206 +19063,6 @@
           </a:ln>
         </p:spPr>
       </p:cxnSp>
-      <p:sp>
-        <p:nvSpPr>
-          <p:cNvPr id="46" name="Content Placeholder 2">
-            <a:extLst>
-              <a:ext uri="{FF2B5EF4-FFF2-40B4-BE49-F238E27FC236}">
-                <a16:creationId xmlns:a16="http://schemas.microsoft.com/office/drawing/2014/main" id="{9CE06DD2-7813-2BA4-392B-2A119B187C6B}"/>
-              </a:ext>
-            </a:extLst>
-          </p:cNvPr>
-          <p:cNvSpPr txBox="1">
-            <a:spLocks/>
-          </p:cNvSpPr>
-          <p:nvPr/>
-        </p:nvSpPr>
-        <p:spPr>
-          <a:xfrm>
-            <a:off x="4124056" y="4427360"/>
-            <a:ext cx="4562744" cy="1828800"/>
-          </a:xfrm>
-          <a:prstGeom prst="rect">
-            <a:avLst/>
-          </a:prstGeom>
-        </p:spPr>
-        <p:txBody>
-          <a:bodyPr vert="horz" lIns="91440" tIns="45720" rIns="91440" bIns="45720" rtlCol="0">
-            <a:normAutofit/>
-          </a:bodyPr>
-          <a:lstStyle>
-            <a:lvl1pPr marL="342900" indent="-342900" algn="l" defTabSz="457200" rtl="0" eaLnBrk="1" latinLnBrk="0" hangingPunct="1">
-              <a:spcBef>
-                <a:spcPct val="20000"/>
-              </a:spcBef>
-              <a:buClr>
-                <a:schemeClr val="accent6"/>
-              </a:buClr>
-              <a:buFont typeface="Wingdings" charset="2"/>
-              <a:buChar char="§"/>
-              <a:defRPr sz="2400" kern="1200">
-                <a:solidFill>
-                  <a:schemeClr val="tx1"/>
-                </a:solidFill>
-                <a:latin typeface="Times New Roman"/>
-                <a:ea typeface="+mn-ea"/>
-                <a:cs typeface="Times New Roman"/>
-              </a:defRPr>
-            </a:lvl1pPr>
-            <a:lvl2pPr marL="742950" indent="-285750" algn="l" defTabSz="457200" rtl="0" eaLnBrk="1" latinLnBrk="0" hangingPunct="1">
-              <a:spcBef>
-                <a:spcPct val="20000"/>
-              </a:spcBef>
-              <a:buClr>
-                <a:schemeClr val="accent6"/>
-              </a:buClr>
-              <a:buFont typeface="Wingdings" charset="2"/>
-              <a:buChar char="§"/>
-              <a:defRPr sz="2000" kern="1200">
-                <a:solidFill>
-                  <a:schemeClr val="tx1"/>
-                </a:solidFill>
-                <a:latin typeface="Times New Roman"/>
-                <a:ea typeface="+mn-ea"/>
-                <a:cs typeface="Times New Roman"/>
-              </a:defRPr>
-            </a:lvl2pPr>
-            <a:lvl3pPr marL="1143000" indent="-228600" algn="l" defTabSz="457200" rtl="0" eaLnBrk="1" latinLnBrk="0" hangingPunct="1">
-              <a:spcBef>
-                <a:spcPct val="20000"/>
-              </a:spcBef>
-              <a:buClr>
-                <a:schemeClr val="accent6"/>
-              </a:buClr>
-              <a:buFont typeface="Wingdings" charset="2"/>
-              <a:buChar char="§"/>
-              <a:defRPr sz="1800" kern="1200">
-                <a:solidFill>
-                  <a:schemeClr val="tx1"/>
-                </a:solidFill>
-                <a:latin typeface="Times New Roman"/>
-                <a:ea typeface="+mn-ea"/>
-                <a:cs typeface="Times New Roman"/>
-              </a:defRPr>
-            </a:lvl3pPr>
-            <a:lvl4pPr marL="1600200" indent="-228600" algn="l" defTabSz="457200" rtl="0" eaLnBrk="1" latinLnBrk="0" hangingPunct="1">
-              <a:spcBef>
-                <a:spcPct val="20000"/>
-              </a:spcBef>
-              <a:buClr>
-                <a:schemeClr val="accent6"/>
-              </a:buClr>
-              <a:buFont typeface="Wingdings" charset="2"/>
-              <a:buChar char="§"/>
-              <a:defRPr sz="1600" kern="1200">
-                <a:solidFill>
-                  <a:schemeClr val="tx1"/>
-                </a:solidFill>
-                <a:latin typeface="Times New Roman"/>
-                <a:ea typeface="+mn-ea"/>
-                <a:cs typeface="Times New Roman"/>
-              </a:defRPr>
-            </a:lvl4pPr>
-            <a:lvl5pPr marL="2057400" indent="-228600" algn="l" defTabSz="457200" rtl="0" eaLnBrk="1" latinLnBrk="0" hangingPunct="1">
-              <a:spcBef>
-                <a:spcPct val="20000"/>
-              </a:spcBef>
-              <a:buClr>
-                <a:schemeClr val="accent6"/>
-              </a:buClr>
-              <a:buFont typeface="Wingdings" charset="2"/>
-              <a:buChar char="§"/>
-              <a:defRPr sz="1600" kern="1200">
-                <a:solidFill>
-                  <a:schemeClr val="tx1"/>
-                </a:solidFill>
-                <a:latin typeface="Times New Roman"/>
-                <a:ea typeface="+mn-ea"/>
-                <a:cs typeface="Times New Roman"/>
-              </a:defRPr>
-            </a:lvl5pPr>
-            <a:lvl6pPr marL="2514600" indent="-228600" algn="l" defTabSz="457200" rtl="0" eaLnBrk="1" latinLnBrk="0" hangingPunct="1">
-              <a:spcBef>
-                <a:spcPct val="20000"/>
-              </a:spcBef>
-              <a:buFont typeface="Arial"/>
-              <a:buChar char="•"/>
-              <a:defRPr sz="2000" kern="1200">
-                <a:solidFill>
-                  <a:schemeClr val="tx1"/>
-                </a:solidFill>
-                <a:latin typeface="+mn-lt"/>
-                <a:ea typeface="+mn-ea"/>
-                <a:cs typeface="+mn-cs"/>
-              </a:defRPr>
-            </a:lvl6pPr>
-            <a:lvl7pPr marL="2971800" indent="-228600" algn="l" defTabSz="457200" rtl="0" eaLnBrk="1" latinLnBrk="0" hangingPunct="1">
-              <a:spcBef>
-                <a:spcPct val="20000"/>
-              </a:spcBef>
-              <a:buFont typeface="Arial"/>
-              <a:buChar char="•"/>
-              <a:defRPr sz="2000" kern="1200">
-                <a:solidFill>
-                  <a:schemeClr val="tx1"/>
-                </a:solidFill>
-                <a:latin typeface="+mn-lt"/>
-                <a:ea typeface="+mn-ea"/>
-                <a:cs typeface="+mn-cs"/>
-              </a:defRPr>
-            </a:lvl7pPr>
-            <a:lvl8pPr marL="3429000" indent="-228600" algn="l" defTabSz="457200" rtl="0" eaLnBrk="1" latinLnBrk="0" hangingPunct="1">
-              <a:spcBef>
-                <a:spcPct val="20000"/>
-              </a:spcBef>
-              <a:buFont typeface="Arial"/>
-              <a:buChar char="•"/>
-              <a:defRPr sz="2000" kern="1200">
-                <a:solidFill>
-                  <a:schemeClr val="tx1"/>
-                </a:solidFill>
-                <a:latin typeface="+mn-lt"/>
-                <a:ea typeface="+mn-ea"/>
-                <a:cs typeface="+mn-cs"/>
-              </a:defRPr>
-            </a:lvl8pPr>
-            <a:lvl9pPr marL="3886200" indent="-228600" algn="l" defTabSz="457200" rtl="0" eaLnBrk="1" latinLnBrk="0" hangingPunct="1">
-              <a:spcBef>
-                <a:spcPct val="20000"/>
-              </a:spcBef>
-              <a:buFont typeface="Arial"/>
-              <a:buChar char="•"/>
-              <a:defRPr sz="2000" kern="1200">
-                <a:solidFill>
-                  <a:schemeClr val="tx1"/>
-                </a:solidFill>
-                <a:latin typeface="+mn-lt"/>
-                <a:ea typeface="+mn-ea"/>
-                <a:cs typeface="+mn-cs"/>
-              </a:defRPr>
-            </a:lvl9pPr>
-          </a:lstStyle>
-          <a:p>
-            <a:r>
-              <a:rPr lang="en-GB" dirty="0"/>
-              <a:t>Pre-Order: 1234</a:t>
-            </a:r>
-          </a:p>
-          <a:p>
-            <a:r>
-              <a:rPr lang="en-GB" dirty="0"/>
-              <a:t>In-Order: 2143</a:t>
-            </a:r>
-          </a:p>
-          <a:p>
-            <a:r>
-              <a:rPr lang="en-GB" dirty="0"/>
-              <a:t>Post-Order: 2431</a:t>
-            </a:r>
-            <a:endParaRPr lang="en-SE" dirty="0"/>
-          </a:p>
-        </p:txBody>
-      </p:sp>
       <p:sp>
         <p:nvSpPr>
           <p:cNvPr id="7" name="Google Shape;1378;p69">

--- a/PPTs/Lecture 8-binary search tree exercises.pptx
+++ b/PPTs/Lecture 8-binary search tree exercises.pptx
@@ -4055,8 +4055,8 @@
               <a:t>Trie</a:t>
             </a:r>
             <a:r>
-              <a:rPr lang="en-US" dirty="0"/>
-              <a:t> Exercises ANS</a:t>
+              <a:rPr lang="en-US"/>
+              <a:t> Exercises</a:t>
             </a:r>
             <a:endParaRPr lang="en-US" dirty="0">
               <a:solidFill>
@@ -4586,6 +4586,12 @@
             </a:r>
           </a:p>
           <a:p>
+            <a:endParaRPr lang="en-GB" dirty="0">
+              <a:latin typeface="Times New Roman" panose="02020603050405020304" pitchFamily="18" charset="0"/>
+              <a:cs typeface="Times New Roman" panose="02020603050405020304" pitchFamily="18" charset="0"/>
+            </a:endParaRPr>
+          </a:p>
+          <a:p>
             <a:endParaRPr lang="en-SE" dirty="0">
               <a:latin typeface="Times New Roman" panose="02020603050405020304" pitchFamily="18" charset="0"/>
               <a:cs typeface="Times New Roman" panose="02020603050405020304" pitchFamily="18" charset="0"/>
@@ -4647,8 +4653,8 @@
           <a:lstStyle/>
           <a:p>
             <a:r>
-              <a:rPr lang="en-GB"/>
-              <a:t>Balanced BST</a:t>
+              <a:rPr lang="en-GB" dirty="0"/>
+              <a:t>AVL Tree</a:t>
             </a:r>
             <a:endParaRPr lang="en-SE" dirty="0"/>
           </a:p>
@@ -4677,13 +4683,11 @@
           <a:p>
             <a:r>
               <a:rPr lang="en-GB" dirty="0"/>
-              <a:t>Which is a Balanced </a:t>
+              <a:t>Which is an AVL tree (Balanced BST)?</a:t>
             </a:r>
-            <a:r>
-              <a:rPr lang="en-GB"/>
-              <a:t>BST?</a:t>
-            </a:r>
-            <a:endParaRPr lang="en-GB" dirty="0"/>
+          </a:p>
+          <a:p>
+            <a:endParaRPr lang="en-SE" dirty="0"/>
           </a:p>
         </p:txBody>
       </p:sp>
@@ -15521,13 +15525,6 @@
               <a:rPr lang="en-GB" dirty="0"/>
               <a:t>Which of the following is a BST?</a:t>
             </a:r>
-          </a:p>
-          <a:p>
-            <a:r>
-              <a:rPr lang="en-GB" dirty="0"/>
-              <a:t>ANS: A</a:t>
-            </a:r>
-            <a:endParaRPr lang="en-SE" dirty="0"/>
           </a:p>
         </p:txBody>
       </p:sp>
@@ -18393,6 +18390,52 @@
       </p:sp>
       <p:sp>
         <p:nvSpPr>
+          <p:cNvPr id="3" name="Content Placeholder 2">
+            <a:extLst>
+              <a:ext uri="{FF2B5EF4-FFF2-40B4-BE49-F238E27FC236}">
+                <a16:creationId xmlns:a16="http://schemas.microsoft.com/office/drawing/2014/main" id="{AD212C7D-8418-DC92-7BF7-E9D8765F103F}"/>
+              </a:ext>
+            </a:extLst>
+          </p:cNvPr>
+          <p:cNvSpPr>
+            <a:spLocks noGrp="1"/>
+          </p:cNvSpPr>
+          <p:nvPr>
+            <p:ph idx="1"/>
+          </p:nvPr>
+        </p:nvSpPr>
+        <p:spPr>
+          <a:xfrm>
+            <a:off x="4124056" y="1600201"/>
+            <a:ext cx="4562744" cy="1828800"/>
+          </a:xfrm>
+        </p:spPr>
+        <p:txBody>
+          <a:bodyPr/>
+          <a:lstStyle/>
+          <a:p>
+            <a:r>
+              <a:rPr lang="en-GB" dirty="0"/>
+              <a:t>Pre-Order:</a:t>
+            </a:r>
+          </a:p>
+          <a:p>
+            <a:r>
+              <a:rPr lang="en-GB" dirty="0"/>
+              <a:t>In-Order:</a:t>
+            </a:r>
+          </a:p>
+          <a:p>
+            <a:r>
+              <a:rPr lang="en-GB" dirty="0"/>
+              <a:t>Post-Order:</a:t>
+            </a:r>
+            <a:endParaRPr lang="en-SE" dirty="0"/>
+          </a:p>
+        </p:txBody>
+      </p:sp>
+      <p:sp>
+        <p:nvSpPr>
           <p:cNvPr id="39" name="Google Shape;1373;p69">
             <a:extLst>
               <a:ext uri="{FF2B5EF4-FFF2-40B4-BE49-F238E27FC236}">
@@ -19063,6 +19106,206 @@
           </a:ln>
         </p:spPr>
       </p:cxnSp>
+      <p:sp>
+        <p:nvSpPr>
+          <p:cNvPr id="46" name="Content Placeholder 2">
+            <a:extLst>
+              <a:ext uri="{FF2B5EF4-FFF2-40B4-BE49-F238E27FC236}">
+                <a16:creationId xmlns:a16="http://schemas.microsoft.com/office/drawing/2014/main" id="{9CE06DD2-7813-2BA4-392B-2A119B187C6B}"/>
+              </a:ext>
+            </a:extLst>
+          </p:cNvPr>
+          <p:cNvSpPr txBox="1">
+            <a:spLocks/>
+          </p:cNvSpPr>
+          <p:nvPr/>
+        </p:nvSpPr>
+        <p:spPr>
+          <a:xfrm>
+            <a:off x="4124056" y="4427360"/>
+            <a:ext cx="4562744" cy="1828800"/>
+          </a:xfrm>
+          <a:prstGeom prst="rect">
+            <a:avLst/>
+          </a:prstGeom>
+        </p:spPr>
+        <p:txBody>
+          <a:bodyPr vert="horz" lIns="91440" tIns="45720" rIns="91440" bIns="45720" rtlCol="0">
+            <a:normAutofit/>
+          </a:bodyPr>
+          <a:lstStyle>
+            <a:lvl1pPr marL="342900" indent="-342900" algn="l" defTabSz="457200" rtl="0" eaLnBrk="1" latinLnBrk="0" hangingPunct="1">
+              <a:spcBef>
+                <a:spcPct val="20000"/>
+              </a:spcBef>
+              <a:buClr>
+                <a:schemeClr val="accent6"/>
+              </a:buClr>
+              <a:buFont typeface="Wingdings" charset="2"/>
+              <a:buChar char="§"/>
+              <a:defRPr sz="2400" kern="1200">
+                <a:solidFill>
+                  <a:schemeClr val="tx1"/>
+                </a:solidFill>
+                <a:latin typeface="Times New Roman"/>
+                <a:ea typeface="+mn-ea"/>
+                <a:cs typeface="Times New Roman"/>
+              </a:defRPr>
+            </a:lvl1pPr>
+            <a:lvl2pPr marL="742950" indent="-285750" algn="l" defTabSz="457200" rtl="0" eaLnBrk="1" latinLnBrk="0" hangingPunct="1">
+              <a:spcBef>
+                <a:spcPct val="20000"/>
+              </a:spcBef>
+              <a:buClr>
+                <a:schemeClr val="accent6"/>
+              </a:buClr>
+              <a:buFont typeface="Wingdings" charset="2"/>
+              <a:buChar char="§"/>
+              <a:defRPr sz="2000" kern="1200">
+                <a:solidFill>
+                  <a:schemeClr val="tx1"/>
+                </a:solidFill>
+                <a:latin typeface="Times New Roman"/>
+                <a:ea typeface="+mn-ea"/>
+                <a:cs typeface="Times New Roman"/>
+              </a:defRPr>
+            </a:lvl2pPr>
+            <a:lvl3pPr marL="1143000" indent="-228600" algn="l" defTabSz="457200" rtl="0" eaLnBrk="1" latinLnBrk="0" hangingPunct="1">
+              <a:spcBef>
+                <a:spcPct val="20000"/>
+              </a:spcBef>
+              <a:buClr>
+                <a:schemeClr val="accent6"/>
+              </a:buClr>
+              <a:buFont typeface="Wingdings" charset="2"/>
+              <a:buChar char="§"/>
+              <a:defRPr sz="1800" kern="1200">
+                <a:solidFill>
+                  <a:schemeClr val="tx1"/>
+                </a:solidFill>
+                <a:latin typeface="Times New Roman"/>
+                <a:ea typeface="+mn-ea"/>
+                <a:cs typeface="Times New Roman"/>
+              </a:defRPr>
+            </a:lvl3pPr>
+            <a:lvl4pPr marL="1600200" indent="-228600" algn="l" defTabSz="457200" rtl="0" eaLnBrk="1" latinLnBrk="0" hangingPunct="1">
+              <a:spcBef>
+                <a:spcPct val="20000"/>
+              </a:spcBef>
+              <a:buClr>
+                <a:schemeClr val="accent6"/>
+              </a:buClr>
+              <a:buFont typeface="Wingdings" charset="2"/>
+              <a:buChar char="§"/>
+              <a:defRPr sz="1600" kern="1200">
+                <a:solidFill>
+                  <a:schemeClr val="tx1"/>
+                </a:solidFill>
+                <a:latin typeface="Times New Roman"/>
+                <a:ea typeface="+mn-ea"/>
+                <a:cs typeface="Times New Roman"/>
+              </a:defRPr>
+            </a:lvl4pPr>
+            <a:lvl5pPr marL="2057400" indent="-228600" algn="l" defTabSz="457200" rtl="0" eaLnBrk="1" latinLnBrk="0" hangingPunct="1">
+              <a:spcBef>
+                <a:spcPct val="20000"/>
+              </a:spcBef>
+              <a:buClr>
+                <a:schemeClr val="accent6"/>
+              </a:buClr>
+              <a:buFont typeface="Wingdings" charset="2"/>
+              <a:buChar char="§"/>
+              <a:defRPr sz="1600" kern="1200">
+                <a:solidFill>
+                  <a:schemeClr val="tx1"/>
+                </a:solidFill>
+                <a:latin typeface="Times New Roman"/>
+                <a:ea typeface="+mn-ea"/>
+                <a:cs typeface="Times New Roman"/>
+              </a:defRPr>
+            </a:lvl5pPr>
+            <a:lvl6pPr marL="2514600" indent="-228600" algn="l" defTabSz="457200" rtl="0" eaLnBrk="1" latinLnBrk="0" hangingPunct="1">
+              <a:spcBef>
+                <a:spcPct val="20000"/>
+              </a:spcBef>
+              <a:buFont typeface="Arial"/>
+              <a:buChar char="•"/>
+              <a:defRPr sz="2000" kern="1200">
+                <a:solidFill>
+                  <a:schemeClr val="tx1"/>
+                </a:solidFill>
+                <a:latin typeface="+mn-lt"/>
+                <a:ea typeface="+mn-ea"/>
+                <a:cs typeface="+mn-cs"/>
+              </a:defRPr>
+            </a:lvl6pPr>
+            <a:lvl7pPr marL="2971800" indent="-228600" algn="l" defTabSz="457200" rtl="0" eaLnBrk="1" latinLnBrk="0" hangingPunct="1">
+              <a:spcBef>
+                <a:spcPct val="20000"/>
+              </a:spcBef>
+              <a:buFont typeface="Arial"/>
+              <a:buChar char="•"/>
+              <a:defRPr sz="2000" kern="1200">
+                <a:solidFill>
+                  <a:schemeClr val="tx1"/>
+                </a:solidFill>
+                <a:latin typeface="+mn-lt"/>
+                <a:ea typeface="+mn-ea"/>
+                <a:cs typeface="+mn-cs"/>
+              </a:defRPr>
+            </a:lvl7pPr>
+            <a:lvl8pPr marL="3429000" indent="-228600" algn="l" defTabSz="457200" rtl="0" eaLnBrk="1" latinLnBrk="0" hangingPunct="1">
+              <a:spcBef>
+                <a:spcPct val="20000"/>
+              </a:spcBef>
+              <a:buFont typeface="Arial"/>
+              <a:buChar char="•"/>
+              <a:defRPr sz="2000" kern="1200">
+                <a:solidFill>
+                  <a:schemeClr val="tx1"/>
+                </a:solidFill>
+                <a:latin typeface="+mn-lt"/>
+                <a:ea typeface="+mn-ea"/>
+                <a:cs typeface="+mn-cs"/>
+              </a:defRPr>
+            </a:lvl8pPr>
+            <a:lvl9pPr marL="3886200" indent="-228600" algn="l" defTabSz="457200" rtl="0" eaLnBrk="1" latinLnBrk="0" hangingPunct="1">
+              <a:spcBef>
+                <a:spcPct val="20000"/>
+              </a:spcBef>
+              <a:buFont typeface="Arial"/>
+              <a:buChar char="•"/>
+              <a:defRPr sz="2000" kern="1200">
+                <a:solidFill>
+                  <a:schemeClr val="tx1"/>
+                </a:solidFill>
+                <a:latin typeface="+mn-lt"/>
+                <a:ea typeface="+mn-ea"/>
+                <a:cs typeface="+mn-cs"/>
+              </a:defRPr>
+            </a:lvl9pPr>
+          </a:lstStyle>
+          <a:p>
+            <a:r>
+              <a:rPr lang="en-GB" dirty="0"/>
+              <a:t>Pre-Order:</a:t>
+            </a:r>
+          </a:p>
+          <a:p>
+            <a:r>
+              <a:rPr lang="en-GB" dirty="0"/>
+              <a:t>In-Order:</a:t>
+            </a:r>
+          </a:p>
+          <a:p>
+            <a:r>
+              <a:rPr lang="en-GB" dirty="0"/>
+              <a:t>Post-Order:</a:t>
+            </a:r>
+            <a:endParaRPr lang="en-SE" dirty="0"/>
+          </a:p>
+        </p:txBody>
+      </p:sp>
       <p:sp>
         <p:nvSpPr>
           <p:cNvPr id="7" name="Google Shape;1378;p69">
@@ -21632,6 +21875,206 @@
           </a:extLst>
         </p:spPr>
       </p:pic>
+      <p:sp>
+        <p:nvSpPr>
+          <p:cNvPr id="5" name="Content Placeholder 2">
+            <a:extLst>
+              <a:ext uri="{FF2B5EF4-FFF2-40B4-BE49-F238E27FC236}">
+                <a16:creationId xmlns:a16="http://schemas.microsoft.com/office/drawing/2014/main" id="{516CDE2F-E550-55BE-A4B9-E2185A5B7AB6}"/>
+              </a:ext>
+            </a:extLst>
+          </p:cNvPr>
+          <p:cNvSpPr txBox="1">
+            <a:spLocks/>
+          </p:cNvSpPr>
+          <p:nvPr/>
+        </p:nvSpPr>
+        <p:spPr>
+          <a:xfrm>
+            <a:off x="4124056" y="2167623"/>
+            <a:ext cx="4562744" cy="1828800"/>
+          </a:xfrm>
+          <a:prstGeom prst="rect">
+            <a:avLst/>
+          </a:prstGeom>
+        </p:spPr>
+        <p:txBody>
+          <a:bodyPr vert="horz" lIns="91440" tIns="45720" rIns="91440" bIns="45720" rtlCol="0">
+            <a:normAutofit/>
+          </a:bodyPr>
+          <a:lstStyle>
+            <a:lvl1pPr marL="342900" indent="-342900" algn="l" defTabSz="457200" rtl="0" eaLnBrk="1" latinLnBrk="0" hangingPunct="1">
+              <a:spcBef>
+                <a:spcPct val="20000"/>
+              </a:spcBef>
+              <a:buClr>
+                <a:schemeClr val="accent6"/>
+              </a:buClr>
+              <a:buFont typeface="Wingdings" charset="2"/>
+              <a:buChar char="§"/>
+              <a:defRPr sz="2400" kern="1200">
+                <a:solidFill>
+                  <a:schemeClr val="tx1"/>
+                </a:solidFill>
+                <a:latin typeface="Times New Roman"/>
+                <a:ea typeface="+mn-ea"/>
+                <a:cs typeface="Times New Roman"/>
+              </a:defRPr>
+            </a:lvl1pPr>
+            <a:lvl2pPr marL="742950" indent="-285750" algn="l" defTabSz="457200" rtl="0" eaLnBrk="1" latinLnBrk="0" hangingPunct="1">
+              <a:spcBef>
+                <a:spcPct val="20000"/>
+              </a:spcBef>
+              <a:buClr>
+                <a:schemeClr val="accent6"/>
+              </a:buClr>
+              <a:buFont typeface="Wingdings" charset="2"/>
+              <a:buChar char="§"/>
+              <a:defRPr sz="2000" kern="1200">
+                <a:solidFill>
+                  <a:schemeClr val="tx1"/>
+                </a:solidFill>
+                <a:latin typeface="Times New Roman"/>
+                <a:ea typeface="+mn-ea"/>
+                <a:cs typeface="Times New Roman"/>
+              </a:defRPr>
+            </a:lvl2pPr>
+            <a:lvl3pPr marL="1143000" indent="-228600" algn="l" defTabSz="457200" rtl="0" eaLnBrk="1" latinLnBrk="0" hangingPunct="1">
+              <a:spcBef>
+                <a:spcPct val="20000"/>
+              </a:spcBef>
+              <a:buClr>
+                <a:schemeClr val="accent6"/>
+              </a:buClr>
+              <a:buFont typeface="Wingdings" charset="2"/>
+              <a:buChar char="§"/>
+              <a:defRPr sz="1800" kern="1200">
+                <a:solidFill>
+                  <a:schemeClr val="tx1"/>
+                </a:solidFill>
+                <a:latin typeface="Times New Roman"/>
+                <a:ea typeface="+mn-ea"/>
+                <a:cs typeface="Times New Roman"/>
+              </a:defRPr>
+            </a:lvl3pPr>
+            <a:lvl4pPr marL="1600200" indent="-228600" algn="l" defTabSz="457200" rtl="0" eaLnBrk="1" latinLnBrk="0" hangingPunct="1">
+              <a:spcBef>
+                <a:spcPct val="20000"/>
+              </a:spcBef>
+              <a:buClr>
+                <a:schemeClr val="accent6"/>
+              </a:buClr>
+              <a:buFont typeface="Wingdings" charset="2"/>
+              <a:buChar char="§"/>
+              <a:defRPr sz="1600" kern="1200">
+                <a:solidFill>
+                  <a:schemeClr val="tx1"/>
+                </a:solidFill>
+                <a:latin typeface="Times New Roman"/>
+                <a:ea typeface="+mn-ea"/>
+                <a:cs typeface="Times New Roman"/>
+              </a:defRPr>
+            </a:lvl4pPr>
+            <a:lvl5pPr marL="2057400" indent="-228600" algn="l" defTabSz="457200" rtl="0" eaLnBrk="1" latinLnBrk="0" hangingPunct="1">
+              <a:spcBef>
+                <a:spcPct val="20000"/>
+              </a:spcBef>
+              <a:buClr>
+                <a:schemeClr val="accent6"/>
+              </a:buClr>
+              <a:buFont typeface="Wingdings" charset="2"/>
+              <a:buChar char="§"/>
+              <a:defRPr sz="1600" kern="1200">
+                <a:solidFill>
+                  <a:schemeClr val="tx1"/>
+                </a:solidFill>
+                <a:latin typeface="Times New Roman"/>
+                <a:ea typeface="+mn-ea"/>
+                <a:cs typeface="Times New Roman"/>
+              </a:defRPr>
+            </a:lvl5pPr>
+            <a:lvl6pPr marL="2514600" indent="-228600" algn="l" defTabSz="457200" rtl="0" eaLnBrk="1" latinLnBrk="0" hangingPunct="1">
+              <a:spcBef>
+                <a:spcPct val="20000"/>
+              </a:spcBef>
+              <a:buFont typeface="Arial"/>
+              <a:buChar char="•"/>
+              <a:defRPr sz="2000" kern="1200">
+                <a:solidFill>
+                  <a:schemeClr val="tx1"/>
+                </a:solidFill>
+                <a:latin typeface="+mn-lt"/>
+                <a:ea typeface="+mn-ea"/>
+                <a:cs typeface="+mn-cs"/>
+              </a:defRPr>
+            </a:lvl6pPr>
+            <a:lvl7pPr marL="2971800" indent="-228600" algn="l" defTabSz="457200" rtl="0" eaLnBrk="1" latinLnBrk="0" hangingPunct="1">
+              <a:spcBef>
+                <a:spcPct val="20000"/>
+              </a:spcBef>
+              <a:buFont typeface="Arial"/>
+              <a:buChar char="•"/>
+              <a:defRPr sz="2000" kern="1200">
+                <a:solidFill>
+                  <a:schemeClr val="tx1"/>
+                </a:solidFill>
+                <a:latin typeface="+mn-lt"/>
+                <a:ea typeface="+mn-ea"/>
+                <a:cs typeface="+mn-cs"/>
+              </a:defRPr>
+            </a:lvl7pPr>
+            <a:lvl8pPr marL="3429000" indent="-228600" algn="l" defTabSz="457200" rtl="0" eaLnBrk="1" latinLnBrk="0" hangingPunct="1">
+              <a:spcBef>
+                <a:spcPct val="20000"/>
+              </a:spcBef>
+              <a:buFont typeface="Arial"/>
+              <a:buChar char="•"/>
+              <a:defRPr sz="2000" kern="1200">
+                <a:solidFill>
+                  <a:schemeClr val="tx1"/>
+                </a:solidFill>
+                <a:latin typeface="+mn-lt"/>
+                <a:ea typeface="+mn-ea"/>
+                <a:cs typeface="+mn-cs"/>
+              </a:defRPr>
+            </a:lvl8pPr>
+            <a:lvl9pPr marL="3886200" indent="-228600" algn="l" defTabSz="457200" rtl="0" eaLnBrk="1" latinLnBrk="0" hangingPunct="1">
+              <a:spcBef>
+                <a:spcPct val="20000"/>
+              </a:spcBef>
+              <a:buFont typeface="Arial"/>
+              <a:buChar char="•"/>
+              <a:defRPr sz="2000" kern="1200">
+                <a:solidFill>
+                  <a:schemeClr val="tx1"/>
+                </a:solidFill>
+                <a:latin typeface="+mn-lt"/>
+                <a:ea typeface="+mn-ea"/>
+                <a:cs typeface="+mn-cs"/>
+              </a:defRPr>
+            </a:lvl9pPr>
+          </a:lstStyle>
+          <a:p>
+            <a:r>
+              <a:rPr lang="en-GB" dirty="0"/>
+              <a:t>Pre-Order: </a:t>
+            </a:r>
+          </a:p>
+          <a:p>
+            <a:r>
+              <a:rPr lang="en-GB" dirty="0"/>
+              <a:t>In-Order: </a:t>
+            </a:r>
+          </a:p>
+          <a:p>
+            <a:r>
+              <a:rPr lang="en-GB" dirty="0"/>
+              <a:t>Post-Order:</a:t>
+            </a:r>
+            <a:endParaRPr lang="en-SE" dirty="0"/>
+          </a:p>
+        </p:txBody>
+      </p:sp>
     </p:spTree>
     <p:extLst>
       <p:ext uri="{BB962C8B-B14F-4D97-AF65-F5344CB8AC3E}">
@@ -21829,7 +22272,7 @@
           <a:bodyPr/>
           <a:lstStyle/>
           <a:p>
-            <a:endParaRPr lang="en-SE" dirty="0"/>
+            <a:endParaRPr lang="en-SE"/>
           </a:p>
         </p:txBody>
       </p:sp>
@@ -21863,6 +22306,205 @@
           </a:prstGeom>
         </p:spPr>
       </p:pic>
+      <p:sp>
+        <p:nvSpPr>
+          <p:cNvPr id="5" name="Content Placeholder 2">
+            <a:extLst>
+              <a:ext uri="{FF2B5EF4-FFF2-40B4-BE49-F238E27FC236}">
+                <a16:creationId xmlns:a16="http://schemas.microsoft.com/office/drawing/2014/main" id="{D8C8753B-69AF-24BA-F750-4E6CB4BE8FC6}"/>
+              </a:ext>
+            </a:extLst>
+          </p:cNvPr>
+          <p:cNvSpPr txBox="1">
+            <a:spLocks/>
+          </p:cNvSpPr>
+          <p:nvPr/>
+        </p:nvSpPr>
+        <p:spPr>
+          <a:xfrm>
+            <a:off x="4109224" y="1860564"/>
+            <a:ext cx="4806176" cy="4525963"/>
+          </a:xfrm>
+          <a:prstGeom prst="rect">
+            <a:avLst/>
+          </a:prstGeom>
+        </p:spPr>
+        <p:txBody>
+          <a:bodyPr vert="horz" lIns="91440" tIns="45720" rIns="91440" bIns="45720" rtlCol="0">
+            <a:normAutofit/>
+          </a:bodyPr>
+          <a:lstStyle>
+            <a:lvl1pPr marL="342900" indent="-342900" algn="l" defTabSz="457200" rtl="0" eaLnBrk="1" latinLnBrk="0" hangingPunct="1">
+              <a:spcBef>
+                <a:spcPct val="20000"/>
+              </a:spcBef>
+              <a:buClr>
+                <a:schemeClr val="accent6"/>
+              </a:buClr>
+              <a:buFont typeface="Wingdings" charset="2"/>
+              <a:buChar char="§"/>
+              <a:defRPr sz="2400" kern="1200">
+                <a:solidFill>
+                  <a:schemeClr val="tx1"/>
+                </a:solidFill>
+                <a:latin typeface="Times New Roman"/>
+                <a:ea typeface="+mn-ea"/>
+                <a:cs typeface="Times New Roman"/>
+              </a:defRPr>
+            </a:lvl1pPr>
+            <a:lvl2pPr marL="742950" indent="-285750" algn="l" defTabSz="457200" rtl="0" eaLnBrk="1" latinLnBrk="0" hangingPunct="1">
+              <a:spcBef>
+                <a:spcPct val="20000"/>
+              </a:spcBef>
+              <a:buClr>
+                <a:schemeClr val="accent6"/>
+              </a:buClr>
+              <a:buFont typeface="Wingdings" charset="2"/>
+              <a:buChar char="§"/>
+              <a:defRPr sz="2000" kern="1200">
+                <a:solidFill>
+                  <a:schemeClr val="tx1"/>
+                </a:solidFill>
+                <a:latin typeface="Times New Roman"/>
+                <a:ea typeface="+mn-ea"/>
+                <a:cs typeface="Times New Roman"/>
+              </a:defRPr>
+            </a:lvl2pPr>
+            <a:lvl3pPr marL="1143000" indent="-228600" algn="l" defTabSz="457200" rtl="0" eaLnBrk="1" latinLnBrk="0" hangingPunct="1">
+              <a:spcBef>
+                <a:spcPct val="20000"/>
+              </a:spcBef>
+              <a:buClr>
+                <a:schemeClr val="accent6"/>
+              </a:buClr>
+              <a:buFont typeface="Wingdings" charset="2"/>
+              <a:buChar char="§"/>
+              <a:defRPr sz="1800" kern="1200">
+                <a:solidFill>
+                  <a:schemeClr val="tx1"/>
+                </a:solidFill>
+                <a:latin typeface="Times New Roman"/>
+                <a:ea typeface="+mn-ea"/>
+                <a:cs typeface="Times New Roman"/>
+              </a:defRPr>
+            </a:lvl3pPr>
+            <a:lvl4pPr marL="1600200" indent="-228600" algn="l" defTabSz="457200" rtl="0" eaLnBrk="1" latinLnBrk="0" hangingPunct="1">
+              <a:spcBef>
+                <a:spcPct val="20000"/>
+              </a:spcBef>
+              <a:buClr>
+                <a:schemeClr val="accent6"/>
+              </a:buClr>
+              <a:buFont typeface="Wingdings" charset="2"/>
+              <a:buChar char="§"/>
+              <a:defRPr sz="1600" kern="1200">
+                <a:solidFill>
+                  <a:schemeClr val="tx1"/>
+                </a:solidFill>
+                <a:latin typeface="Times New Roman"/>
+                <a:ea typeface="+mn-ea"/>
+                <a:cs typeface="Times New Roman"/>
+              </a:defRPr>
+            </a:lvl4pPr>
+            <a:lvl5pPr marL="2057400" indent="-228600" algn="l" defTabSz="457200" rtl="0" eaLnBrk="1" latinLnBrk="0" hangingPunct="1">
+              <a:spcBef>
+                <a:spcPct val="20000"/>
+              </a:spcBef>
+              <a:buClr>
+                <a:schemeClr val="accent6"/>
+              </a:buClr>
+              <a:buFont typeface="Wingdings" charset="2"/>
+              <a:buChar char="§"/>
+              <a:defRPr sz="1600" kern="1200">
+                <a:solidFill>
+                  <a:schemeClr val="tx1"/>
+                </a:solidFill>
+                <a:latin typeface="Times New Roman"/>
+                <a:ea typeface="+mn-ea"/>
+                <a:cs typeface="Times New Roman"/>
+              </a:defRPr>
+            </a:lvl5pPr>
+            <a:lvl6pPr marL="2514600" indent="-228600" algn="l" defTabSz="457200" rtl="0" eaLnBrk="1" latinLnBrk="0" hangingPunct="1">
+              <a:spcBef>
+                <a:spcPct val="20000"/>
+              </a:spcBef>
+              <a:buFont typeface="Arial"/>
+              <a:buChar char="•"/>
+              <a:defRPr sz="2000" kern="1200">
+                <a:solidFill>
+                  <a:schemeClr val="tx1"/>
+                </a:solidFill>
+                <a:latin typeface="+mn-lt"/>
+                <a:ea typeface="+mn-ea"/>
+                <a:cs typeface="+mn-cs"/>
+              </a:defRPr>
+            </a:lvl6pPr>
+            <a:lvl7pPr marL="2971800" indent="-228600" algn="l" defTabSz="457200" rtl="0" eaLnBrk="1" latinLnBrk="0" hangingPunct="1">
+              <a:spcBef>
+                <a:spcPct val="20000"/>
+              </a:spcBef>
+              <a:buFont typeface="Arial"/>
+              <a:buChar char="•"/>
+              <a:defRPr sz="2000" kern="1200">
+                <a:solidFill>
+                  <a:schemeClr val="tx1"/>
+                </a:solidFill>
+                <a:latin typeface="+mn-lt"/>
+                <a:ea typeface="+mn-ea"/>
+                <a:cs typeface="+mn-cs"/>
+              </a:defRPr>
+            </a:lvl7pPr>
+            <a:lvl8pPr marL="3429000" indent="-228600" algn="l" defTabSz="457200" rtl="0" eaLnBrk="1" latinLnBrk="0" hangingPunct="1">
+              <a:spcBef>
+                <a:spcPct val="20000"/>
+              </a:spcBef>
+              <a:buFont typeface="Arial"/>
+              <a:buChar char="•"/>
+              <a:defRPr sz="2000" kern="1200">
+                <a:solidFill>
+                  <a:schemeClr val="tx1"/>
+                </a:solidFill>
+                <a:latin typeface="+mn-lt"/>
+                <a:ea typeface="+mn-ea"/>
+                <a:cs typeface="+mn-cs"/>
+              </a:defRPr>
+            </a:lvl8pPr>
+            <a:lvl9pPr marL="3886200" indent="-228600" algn="l" defTabSz="457200" rtl="0" eaLnBrk="1" latinLnBrk="0" hangingPunct="1">
+              <a:spcBef>
+                <a:spcPct val="20000"/>
+              </a:spcBef>
+              <a:buFont typeface="Arial"/>
+              <a:buChar char="•"/>
+              <a:defRPr sz="2000" kern="1200">
+                <a:solidFill>
+                  <a:schemeClr val="tx1"/>
+                </a:solidFill>
+                <a:latin typeface="+mn-lt"/>
+                <a:ea typeface="+mn-ea"/>
+                <a:cs typeface="+mn-cs"/>
+              </a:defRPr>
+            </a:lvl9pPr>
+          </a:lstStyle>
+          <a:p>
+            <a:r>
+              <a:rPr lang="en-GB" dirty="0"/>
+              <a:t>Preorder: </a:t>
+            </a:r>
+          </a:p>
+          <a:p>
+            <a:r>
+              <a:rPr lang="en-GB" dirty="0"/>
+              <a:t>In-order:</a:t>
+            </a:r>
+          </a:p>
+          <a:p>
+            <a:r>
+              <a:rPr lang="en-GB" dirty="0"/>
+              <a:t>Post-order:</a:t>
+            </a:r>
+          </a:p>
+        </p:txBody>
+      </p:sp>
     </p:spTree>
     <p:extLst>
       <p:ext uri="{BB962C8B-B14F-4D97-AF65-F5344CB8AC3E}">

--- a/PPTs/Lecture 8-binary search tree exercises.pptx
+++ b/PPTs/Lecture 8-binary search tree exercises.pptx
@@ -219,7 +219,7 @@
           <a:p>
             <a:fld id="{1B0CF57B-C747-FC49-8C8F-81AE37C96CA4}" type="datetimeFigureOut">
               <a:rPr lang="en-US" smtClean="0"/>
-              <a:t>3/5/2025</a:t>
+              <a:t>3/10/2025</a:t>
             </a:fld>
             <a:endParaRPr lang="en-US"/>
           </a:p>
@@ -1166,7 +1166,7 @@
           <a:p>
             <a:fld id="{FB221443-D73C-634A-A910-7320408C156D}" type="datetimeFigureOut">
               <a:rPr lang="en-US" smtClean="0"/>
-              <a:t>3/5/2025</a:t>
+              <a:t>3/10/2025</a:t>
             </a:fld>
             <a:endParaRPr lang="en-US"/>
           </a:p>
@@ -1336,7 +1336,7 @@
           <a:p>
             <a:fld id="{FB221443-D73C-634A-A910-7320408C156D}" type="datetimeFigureOut">
               <a:rPr lang="en-US" smtClean="0"/>
-              <a:t>3/5/2025</a:t>
+              <a:t>3/10/2025</a:t>
             </a:fld>
             <a:endParaRPr lang="en-US"/>
           </a:p>
@@ -1516,7 +1516,7 @@
           <a:p>
             <a:fld id="{FB221443-D73C-634A-A910-7320408C156D}" type="datetimeFigureOut">
               <a:rPr lang="en-US" smtClean="0"/>
-              <a:t>3/5/2025</a:t>
+              <a:t>3/10/2025</a:t>
             </a:fld>
             <a:endParaRPr lang="en-US"/>
           </a:p>
@@ -1686,7 +1686,7 @@
           <a:p>
             <a:fld id="{FB221443-D73C-634A-A910-7320408C156D}" type="datetimeFigureOut">
               <a:rPr lang="en-US" smtClean="0"/>
-              <a:t>3/5/2025</a:t>
+              <a:t>3/10/2025</a:t>
             </a:fld>
             <a:endParaRPr lang="en-US"/>
           </a:p>
@@ -1932,7 +1932,7 @@
           <a:p>
             <a:fld id="{FB221443-D73C-634A-A910-7320408C156D}" type="datetimeFigureOut">
               <a:rPr lang="en-US" smtClean="0"/>
-              <a:t>3/5/2025</a:t>
+              <a:t>3/10/2025</a:t>
             </a:fld>
             <a:endParaRPr lang="en-US"/>
           </a:p>
@@ -2220,7 +2220,7 @@
           <a:p>
             <a:fld id="{FB221443-D73C-634A-A910-7320408C156D}" type="datetimeFigureOut">
               <a:rPr lang="en-US" smtClean="0"/>
-              <a:t>3/5/2025</a:t>
+              <a:t>3/10/2025</a:t>
             </a:fld>
             <a:endParaRPr lang="en-US"/>
           </a:p>
@@ -2642,7 +2642,7 @@
           <a:p>
             <a:fld id="{FB221443-D73C-634A-A910-7320408C156D}" type="datetimeFigureOut">
               <a:rPr lang="en-US" smtClean="0"/>
-              <a:t>3/5/2025</a:t>
+              <a:t>3/10/2025</a:t>
             </a:fld>
             <a:endParaRPr lang="en-US"/>
           </a:p>
@@ -2760,7 +2760,7 @@
           <a:p>
             <a:fld id="{FB221443-D73C-634A-A910-7320408C156D}" type="datetimeFigureOut">
               <a:rPr lang="en-US" smtClean="0"/>
-              <a:t>3/5/2025</a:t>
+              <a:t>3/10/2025</a:t>
             </a:fld>
             <a:endParaRPr lang="en-US"/>
           </a:p>
@@ -2855,7 +2855,7 @@
           <a:p>
             <a:fld id="{FB221443-D73C-634A-A910-7320408C156D}" type="datetimeFigureOut">
               <a:rPr lang="en-US" smtClean="0"/>
-              <a:t>3/5/2025</a:t>
+              <a:t>3/10/2025</a:t>
             </a:fld>
             <a:endParaRPr lang="en-US"/>
           </a:p>
@@ -3132,7 +3132,7 @@
           <a:p>
             <a:fld id="{FB221443-D73C-634A-A910-7320408C156D}" type="datetimeFigureOut">
               <a:rPr lang="en-US" smtClean="0"/>
-              <a:t>3/5/2025</a:t>
+              <a:t>3/10/2025</a:t>
             </a:fld>
             <a:endParaRPr lang="en-US"/>
           </a:p>
@@ -3385,7 +3385,7 @@
           <a:p>
             <a:fld id="{FB221443-D73C-634A-A910-7320408C156D}" type="datetimeFigureOut">
               <a:rPr lang="en-US" smtClean="0"/>
-              <a:t>3/5/2025</a:t>
+              <a:t>3/10/2025</a:t>
             </a:fld>
             <a:endParaRPr lang="en-US"/>
           </a:p>
@@ -3598,7 +3598,7 @@
           <a:p>
             <a:fld id="{FB221443-D73C-634A-A910-7320408C156D}" type="datetimeFigureOut">
               <a:rPr lang="en-US" smtClean="0"/>
-              <a:t>3/5/2025</a:t>
+              <a:t>3/10/2025</a:t>
             </a:fld>
             <a:endParaRPr lang="en-US"/>
           </a:p>
@@ -4048,15 +4048,18 @@
             </a:br>
             <a:r>
               <a:rPr lang="en-US" dirty="0"/>
-              <a:t>Binary Search Tree and </a:t>
-            </a:r>
-            <a:r>
-              <a:rPr lang="en-US" dirty="0" err="1"/>
-              <a:t>Trie</a:t>
+              <a:t>Binary </a:t>
             </a:r>
             <a:r>
               <a:rPr lang="en-US"/>
-              <a:t> Exercises</a:t>
+              <a:t>Search Tree</a:t>
+            </a:r>
+            <a:br>
+              <a:rPr lang="en-US"/>
+            </a:br>
+            <a:r>
+              <a:rPr lang="en-US"/>
+              <a:t>Exercises</a:t>
             </a:r>
             <a:endParaRPr lang="en-US" dirty="0">
               <a:solidFill>

--- a/PPTs/Lecture 8-binary search tree exercises.pptx
+++ b/PPTs/Lecture 8-binary search tree exercises.pptx
@@ -219,7 +219,7 @@
           <a:p>
             <a:fld id="{1B0CF57B-C747-FC49-8C8F-81AE37C96CA4}" type="datetimeFigureOut">
               <a:rPr lang="en-US" smtClean="0"/>
-              <a:t>3/10/2025</a:t>
+              <a:t>4/16/2025</a:t>
             </a:fld>
             <a:endParaRPr lang="en-US"/>
           </a:p>
@@ -1166,7 +1166,7 @@
           <a:p>
             <a:fld id="{FB221443-D73C-634A-A910-7320408C156D}" type="datetimeFigureOut">
               <a:rPr lang="en-US" smtClean="0"/>
-              <a:t>3/10/2025</a:t>
+              <a:t>4/16/2025</a:t>
             </a:fld>
             <a:endParaRPr lang="en-US"/>
           </a:p>
@@ -1336,7 +1336,7 @@
           <a:p>
             <a:fld id="{FB221443-D73C-634A-A910-7320408C156D}" type="datetimeFigureOut">
               <a:rPr lang="en-US" smtClean="0"/>
-              <a:t>3/10/2025</a:t>
+              <a:t>4/16/2025</a:t>
             </a:fld>
             <a:endParaRPr lang="en-US"/>
           </a:p>
@@ -1516,7 +1516,7 @@
           <a:p>
             <a:fld id="{FB221443-D73C-634A-A910-7320408C156D}" type="datetimeFigureOut">
               <a:rPr lang="en-US" smtClean="0"/>
-              <a:t>3/10/2025</a:t>
+              <a:t>4/16/2025</a:t>
             </a:fld>
             <a:endParaRPr lang="en-US"/>
           </a:p>
@@ -1686,7 +1686,7 @@
           <a:p>
             <a:fld id="{FB221443-D73C-634A-A910-7320408C156D}" type="datetimeFigureOut">
               <a:rPr lang="en-US" smtClean="0"/>
-              <a:t>3/10/2025</a:t>
+              <a:t>4/16/2025</a:t>
             </a:fld>
             <a:endParaRPr lang="en-US"/>
           </a:p>
@@ -1932,7 +1932,7 @@
           <a:p>
             <a:fld id="{FB221443-D73C-634A-A910-7320408C156D}" type="datetimeFigureOut">
               <a:rPr lang="en-US" smtClean="0"/>
-              <a:t>3/10/2025</a:t>
+              <a:t>4/16/2025</a:t>
             </a:fld>
             <a:endParaRPr lang="en-US"/>
           </a:p>
@@ -2220,7 +2220,7 @@
           <a:p>
             <a:fld id="{FB221443-D73C-634A-A910-7320408C156D}" type="datetimeFigureOut">
               <a:rPr lang="en-US" smtClean="0"/>
-              <a:t>3/10/2025</a:t>
+              <a:t>4/16/2025</a:t>
             </a:fld>
             <a:endParaRPr lang="en-US"/>
           </a:p>
@@ -2642,7 +2642,7 @@
           <a:p>
             <a:fld id="{FB221443-D73C-634A-A910-7320408C156D}" type="datetimeFigureOut">
               <a:rPr lang="en-US" smtClean="0"/>
-              <a:t>3/10/2025</a:t>
+              <a:t>4/16/2025</a:t>
             </a:fld>
             <a:endParaRPr lang="en-US"/>
           </a:p>
@@ -2760,7 +2760,7 @@
           <a:p>
             <a:fld id="{FB221443-D73C-634A-A910-7320408C156D}" type="datetimeFigureOut">
               <a:rPr lang="en-US" smtClean="0"/>
-              <a:t>3/10/2025</a:t>
+              <a:t>4/16/2025</a:t>
             </a:fld>
             <a:endParaRPr lang="en-US"/>
           </a:p>
@@ -2855,7 +2855,7 @@
           <a:p>
             <a:fld id="{FB221443-D73C-634A-A910-7320408C156D}" type="datetimeFigureOut">
               <a:rPr lang="en-US" smtClean="0"/>
-              <a:t>3/10/2025</a:t>
+              <a:t>4/16/2025</a:t>
             </a:fld>
             <a:endParaRPr lang="en-US"/>
           </a:p>
@@ -3132,7 +3132,7 @@
           <a:p>
             <a:fld id="{FB221443-D73C-634A-A910-7320408C156D}" type="datetimeFigureOut">
               <a:rPr lang="en-US" smtClean="0"/>
-              <a:t>3/10/2025</a:t>
+              <a:t>4/16/2025</a:t>
             </a:fld>
             <a:endParaRPr lang="en-US"/>
           </a:p>
@@ -3385,7 +3385,7 @@
           <a:p>
             <a:fld id="{FB221443-D73C-634A-A910-7320408C156D}" type="datetimeFigureOut">
               <a:rPr lang="en-US" smtClean="0"/>
-              <a:t>3/10/2025</a:t>
+              <a:t>4/16/2025</a:t>
             </a:fld>
             <a:endParaRPr lang="en-US"/>
           </a:p>
@@ -3598,7 +3598,7 @@
           <a:p>
             <a:fld id="{FB221443-D73C-634A-A910-7320408C156D}" type="datetimeFigureOut">
               <a:rPr lang="en-US" smtClean="0"/>
-              <a:t>3/10/2025</a:t>
+              <a:t>4/16/2025</a:t>
             </a:fld>
             <a:endParaRPr lang="en-US"/>
           </a:p>
